--- a/DevInit/R/GHA/presentation/Data Tech and the GHA.pptx
+++ b/DevInit/R/GHA/presentation/Data Tech and the GHA.pptx
@@ -303,7 +303,7 @@
             <a:fld id="{21AB6FFB-DDD4-448B-967B-962BE26FE4DD}" type="datetimeFigureOut">
               <a:rPr lang="en-GB" smtClean="0"/>
               <a:pPr/>
-              <a:t>08/09/2015</a:t>
+              <a:t>09/09/2015</a:t>
             </a:fld>
             <a:endParaRPr lang="en-GB"/>
           </a:p>
@@ -470,7 +470,7 @@
             <a:fld id="{21AB6FFB-DDD4-448B-967B-962BE26FE4DD}" type="datetimeFigureOut">
               <a:rPr lang="en-GB" smtClean="0"/>
               <a:pPr/>
-              <a:t>08/09/2015</a:t>
+              <a:t>09/09/2015</a:t>
             </a:fld>
             <a:endParaRPr lang="en-GB"/>
           </a:p>
@@ -647,7 +647,7 @@
             <a:fld id="{21AB6FFB-DDD4-448B-967B-962BE26FE4DD}" type="datetimeFigureOut">
               <a:rPr lang="en-GB" smtClean="0"/>
               <a:pPr/>
-              <a:t>08/09/2015</a:t>
+              <a:t>09/09/2015</a:t>
             </a:fld>
             <a:endParaRPr lang="en-GB"/>
           </a:p>
@@ -814,7 +814,7 @@
             <a:fld id="{21AB6FFB-DDD4-448B-967B-962BE26FE4DD}" type="datetimeFigureOut">
               <a:rPr lang="en-GB" smtClean="0"/>
               <a:pPr/>
-              <a:t>08/09/2015</a:t>
+              <a:t>09/09/2015</a:t>
             </a:fld>
             <a:endParaRPr lang="en-GB"/>
           </a:p>
@@ -1057,7 +1057,7 @@
             <a:fld id="{21AB6FFB-DDD4-448B-967B-962BE26FE4DD}" type="datetimeFigureOut">
               <a:rPr lang="en-GB" smtClean="0"/>
               <a:pPr/>
-              <a:t>08/09/2015</a:t>
+              <a:t>09/09/2015</a:t>
             </a:fld>
             <a:endParaRPr lang="en-GB"/>
           </a:p>
@@ -1342,7 +1342,7 @@
             <a:fld id="{21AB6FFB-DDD4-448B-967B-962BE26FE4DD}" type="datetimeFigureOut">
               <a:rPr lang="en-GB" smtClean="0"/>
               <a:pPr/>
-              <a:t>08/09/2015</a:t>
+              <a:t>09/09/2015</a:t>
             </a:fld>
             <a:endParaRPr lang="en-GB"/>
           </a:p>
@@ -1761,7 +1761,7 @@
             <a:fld id="{21AB6FFB-DDD4-448B-967B-962BE26FE4DD}" type="datetimeFigureOut">
               <a:rPr lang="en-GB" smtClean="0"/>
               <a:pPr/>
-              <a:t>08/09/2015</a:t>
+              <a:t>09/09/2015</a:t>
             </a:fld>
             <a:endParaRPr lang="en-GB"/>
           </a:p>
@@ -1876,7 +1876,7 @@
             <a:fld id="{21AB6FFB-DDD4-448B-967B-962BE26FE4DD}" type="datetimeFigureOut">
               <a:rPr lang="en-GB" smtClean="0"/>
               <a:pPr/>
-              <a:t>08/09/2015</a:t>
+              <a:t>09/09/2015</a:t>
             </a:fld>
             <a:endParaRPr lang="en-GB"/>
           </a:p>
@@ -1968,7 +1968,7 @@
             <a:fld id="{21AB6FFB-DDD4-448B-967B-962BE26FE4DD}" type="datetimeFigureOut">
               <a:rPr lang="en-GB" smtClean="0"/>
               <a:pPr/>
-              <a:t>08/09/2015</a:t>
+              <a:t>09/09/2015</a:t>
             </a:fld>
             <a:endParaRPr lang="en-GB"/>
           </a:p>
@@ -2242,7 +2242,7 @@
             <a:fld id="{21AB6FFB-DDD4-448B-967B-962BE26FE4DD}" type="datetimeFigureOut">
               <a:rPr lang="en-GB" smtClean="0"/>
               <a:pPr/>
-              <a:t>08/09/2015</a:t>
+              <a:t>09/09/2015</a:t>
             </a:fld>
             <a:endParaRPr lang="en-GB"/>
           </a:p>
@@ -2492,7 +2492,7 @@
             <a:fld id="{21AB6FFB-DDD4-448B-967B-962BE26FE4DD}" type="datetimeFigureOut">
               <a:rPr lang="en-GB" smtClean="0"/>
               <a:pPr/>
-              <a:t>08/09/2015</a:t>
+              <a:t>09/09/2015</a:t>
             </a:fld>
             <a:endParaRPr lang="en-GB"/>
           </a:p>
@@ -2702,7 +2702,7 @@
             <a:fld id="{21AB6FFB-DDD4-448B-967B-962BE26FE4DD}" type="datetimeFigureOut">
               <a:rPr lang="en-GB" smtClean="0"/>
               <a:pPr/>
-              <a:t>08/09/2015</a:t>
+              <a:t>09/09/2015</a:t>
             </a:fld>
             <a:endParaRPr lang="en-GB"/>
           </a:p>
@@ -4944,7 +4944,21 @@
             <a:pPr lvl="1"/>
             <a:r>
               <a:rPr lang="en-GB" dirty="0" smtClean="0"/>
-              <a:t>PDF scraping</a:t>
+              <a:t>PDF </a:t>
+            </a:r>
+            <a:r>
+              <a:rPr lang="en-GB" dirty="0" smtClean="0"/>
+              <a:t>scraping</a:t>
+            </a:r>
+          </a:p>
+          <a:p>
+            <a:r>
+              <a:rPr lang="en-GB" dirty="0" smtClean="0"/>
+              <a:t>No need to reinvent </a:t>
+            </a:r>
+            <a:r>
+              <a:rPr lang="en-GB" smtClean="0"/>
+              <a:t>the wheel</a:t>
             </a:r>
             <a:endParaRPr lang="en-GB" dirty="0"/>
           </a:p>
